--- a/ppt 16-9/0944.求主带领.pptx
+++ b/ppt 16-9/0944.求主带领.pptx
@@ -129,7 +129,7 @@
           <p:cNvPr id="2" name="标题 1">
             <a:extLst>
               <a:ext uri="{FF2B5EF4-FFF2-40B4-BE49-F238E27FC236}">
-                <a16:creationId xmlns:a16="http://schemas.microsoft.com/office/drawing/2014/main" id="{97559D93-215D-6E31-91BD-B589349772BE}"/>
+                <a16:creationId xmlns:a16="http://schemas.microsoft.com/office/drawing/2014/main" id="{C32DF658-6C71-5AA9-C04A-4CD05E7FFE19}"/>
               </a:ext>
             </a:extLst>
           </p:cNvPr>
@@ -166,7 +166,7 @@
           <p:cNvPr id="3" name="副标题 2">
             <a:extLst>
               <a:ext uri="{FF2B5EF4-FFF2-40B4-BE49-F238E27FC236}">
-                <a16:creationId xmlns:a16="http://schemas.microsoft.com/office/drawing/2014/main" id="{D190C596-0A74-562C-E66C-F45839D5F681}"/>
+                <a16:creationId xmlns:a16="http://schemas.microsoft.com/office/drawing/2014/main" id="{F321E0F6-EE72-9556-BB79-EA7D98EF183D}"/>
               </a:ext>
             </a:extLst>
           </p:cNvPr>
@@ -236,7 +236,7 @@
           <p:cNvPr id="4" name="日期占位符 3">
             <a:extLst>
               <a:ext uri="{FF2B5EF4-FFF2-40B4-BE49-F238E27FC236}">
-                <a16:creationId xmlns:a16="http://schemas.microsoft.com/office/drawing/2014/main" id="{47A70675-E438-A886-4966-78C784C69931}"/>
+                <a16:creationId xmlns:a16="http://schemas.microsoft.com/office/drawing/2014/main" id="{D85FC0FF-51A6-0508-0945-C3BA044D45D2}"/>
               </a:ext>
             </a:extLst>
           </p:cNvPr>
@@ -252,7 +252,7 @@
           <a:bodyPr/>
           <a:lstStyle/>
           <a:p>
-            <a:fld id="{A12CE109-48ED-4D0E-A783-A72719213768}" type="datetimeFigureOut">
+            <a:fld id="{809E8500-59C2-454C-8CB9-A0837FEB2C84}" type="datetimeFigureOut">
               <a:rPr lang="zh-CN" altLang="en-US" smtClean="0"/>
               <a:t>2024/3/10</a:t>
             </a:fld>
@@ -265,7 +265,7 @@
           <p:cNvPr id="5" name="页脚占位符 4">
             <a:extLst>
               <a:ext uri="{FF2B5EF4-FFF2-40B4-BE49-F238E27FC236}">
-                <a16:creationId xmlns:a16="http://schemas.microsoft.com/office/drawing/2014/main" id="{E5AEE6C6-3FFC-2EE4-C96A-15091C9FAFB0}"/>
+                <a16:creationId xmlns:a16="http://schemas.microsoft.com/office/drawing/2014/main" id="{EB81910D-870E-FE24-4ECD-035D17D687EF}"/>
               </a:ext>
             </a:extLst>
           </p:cNvPr>
@@ -290,7 +290,7 @@
           <p:cNvPr id="6" name="灯片编号占位符 5">
             <a:extLst>
               <a:ext uri="{FF2B5EF4-FFF2-40B4-BE49-F238E27FC236}">
-                <a16:creationId xmlns:a16="http://schemas.microsoft.com/office/drawing/2014/main" id="{7039AB2E-7E2E-AFB1-7125-A5F31C89F653}"/>
+                <a16:creationId xmlns:a16="http://schemas.microsoft.com/office/drawing/2014/main" id="{F5152CEF-06B3-26DC-1942-62B2E7F0F1F2}"/>
               </a:ext>
             </a:extLst>
           </p:cNvPr>
@@ -306,7 +306,7 @@
           <a:bodyPr/>
           <a:lstStyle/>
           <a:p>
-            <a:fld id="{CE911583-E726-434E-BC9A-E428389F647B}" type="slidenum">
+            <a:fld id="{23B70F45-A4C1-46AF-B474-DE691B3D0155}" type="slidenum">
               <a:rPr lang="zh-CN" altLang="en-US" smtClean="0"/>
               <a:t>‹#›</a:t>
             </a:fld>
@@ -317,7 +317,7 @@
     </p:spTree>
     <p:extLst>
       <p:ext uri="{BB962C8B-B14F-4D97-AF65-F5344CB8AC3E}">
-        <p14:creationId xmlns:p14="http://schemas.microsoft.com/office/powerpoint/2010/main" val="416773449"/>
+        <p14:creationId xmlns:p14="http://schemas.microsoft.com/office/powerpoint/2010/main" val="2446069117"/>
       </p:ext>
     </p:extLst>
   </p:cSld>
@@ -349,7 +349,7 @@
           <p:cNvPr id="2" name="标题 1">
             <a:extLst>
               <a:ext uri="{FF2B5EF4-FFF2-40B4-BE49-F238E27FC236}">
-                <a16:creationId xmlns:a16="http://schemas.microsoft.com/office/drawing/2014/main" id="{B8CECED0-AF97-21CE-97D3-661F1A977F6F}"/>
+                <a16:creationId xmlns:a16="http://schemas.microsoft.com/office/drawing/2014/main" id="{E22618DE-47A5-9A44-F633-2207D23A53F7}"/>
               </a:ext>
             </a:extLst>
           </p:cNvPr>
@@ -377,7 +377,7 @@
           <p:cNvPr id="3" name="竖排文字占位符 2">
             <a:extLst>
               <a:ext uri="{FF2B5EF4-FFF2-40B4-BE49-F238E27FC236}">
-                <a16:creationId xmlns:a16="http://schemas.microsoft.com/office/drawing/2014/main" id="{42C5F243-82AD-4D31-EC37-801A30FF1CD7}"/>
+                <a16:creationId xmlns:a16="http://schemas.microsoft.com/office/drawing/2014/main" id="{1FCDC6AF-3D0A-0A2F-0138-1BCE4723FE87}"/>
               </a:ext>
             </a:extLst>
           </p:cNvPr>
@@ -434,7 +434,7 @@
           <p:cNvPr id="4" name="日期占位符 3">
             <a:extLst>
               <a:ext uri="{FF2B5EF4-FFF2-40B4-BE49-F238E27FC236}">
-                <a16:creationId xmlns:a16="http://schemas.microsoft.com/office/drawing/2014/main" id="{9456680D-9319-C2C8-9C63-DFE9F1B9D94F}"/>
+                <a16:creationId xmlns:a16="http://schemas.microsoft.com/office/drawing/2014/main" id="{0E2113E9-E7FD-CD60-75F2-1E109BF3194C}"/>
               </a:ext>
             </a:extLst>
           </p:cNvPr>
@@ -450,7 +450,7 @@
           <a:bodyPr/>
           <a:lstStyle/>
           <a:p>
-            <a:fld id="{A12CE109-48ED-4D0E-A783-A72719213768}" type="datetimeFigureOut">
+            <a:fld id="{809E8500-59C2-454C-8CB9-A0837FEB2C84}" type="datetimeFigureOut">
               <a:rPr lang="zh-CN" altLang="en-US" smtClean="0"/>
               <a:t>2024/3/10</a:t>
             </a:fld>
@@ -463,7 +463,7 @@
           <p:cNvPr id="5" name="页脚占位符 4">
             <a:extLst>
               <a:ext uri="{FF2B5EF4-FFF2-40B4-BE49-F238E27FC236}">
-                <a16:creationId xmlns:a16="http://schemas.microsoft.com/office/drawing/2014/main" id="{37C7D1C0-47C6-4F2D-973E-AFBC9E67C404}"/>
+                <a16:creationId xmlns:a16="http://schemas.microsoft.com/office/drawing/2014/main" id="{5B4EEAAE-2E55-01EB-4C68-D10CC315C219}"/>
               </a:ext>
             </a:extLst>
           </p:cNvPr>
@@ -488,7 +488,7 @@
           <p:cNvPr id="6" name="灯片编号占位符 5">
             <a:extLst>
               <a:ext uri="{FF2B5EF4-FFF2-40B4-BE49-F238E27FC236}">
-                <a16:creationId xmlns:a16="http://schemas.microsoft.com/office/drawing/2014/main" id="{1B068806-B790-C388-9E87-B8D59C131AE5}"/>
+                <a16:creationId xmlns:a16="http://schemas.microsoft.com/office/drawing/2014/main" id="{5B8A4255-B0BB-4FD2-35CE-9786E5DB4AE8}"/>
               </a:ext>
             </a:extLst>
           </p:cNvPr>
@@ -504,7 +504,7 @@
           <a:bodyPr/>
           <a:lstStyle/>
           <a:p>
-            <a:fld id="{CE911583-E726-434E-BC9A-E428389F647B}" type="slidenum">
+            <a:fld id="{23B70F45-A4C1-46AF-B474-DE691B3D0155}" type="slidenum">
               <a:rPr lang="zh-CN" altLang="en-US" smtClean="0"/>
               <a:t>‹#›</a:t>
             </a:fld>
@@ -515,7 +515,7 @@
     </p:spTree>
     <p:extLst>
       <p:ext uri="{BB962C8B-B14F-4D97-AF65-F5344CB8AC3E}">
-        <p14:creationId xmlns:p14="http://schemas.microsoft.com/office/powerpoint/2010/main" val="3961889624"/>
+        <p14:creationId xmlns:p14="http://schemas.microsoft.com/office/powerpoint/2010/main" val="1470765994"/>
       </p:ext>
     </p:extLst>
   </p:cSld>
@@ -547,7 +547,7 @@
           <p:cNvPr id="2" name="竖排标题 1">
             <a:extLst>
               <a:ext uri="{FF2B5EF4-FFF2-40B4-BE49-F238E27FC236}">
-                <a16:creationId xmlns:a16="http://schemas.microsoft.com/office/drawing/2014/main" id="{82EA943F-81C9-5EB4-BC34-C603B07E1048}"/>
+                <a16:creationId xmlns:a16="http://schemas.microsoft.com/office/drawing/2014/main" id="{EE88FFDA-A745-E88F-B41E-4CE0F55C1175}"/>
               </a:ext>
             </a:extLst>
           </p:cNvPr>
@@ -580,7 +580,7 @@
           <p:cNvPr id="3" name="竖排文字占位符 2">
             <a:extLst>
               <a:ext uri="{FF2B5EF4-FFF2-40B4-BE49-F238E27FC236}">
-                <a16:creationId xmlns:a16="http://schemas.microsoft.com/office/drawing/2014/main" id="{98BCC18B-FD63-7CC9-1031-81FEFDA28039}"/>
+                <a16:creationId xmlns:a16="http://schemas.microsoft.com/office/drawing/2014/main" id="{95775983-3682-0892-A5A4-649FE3AED4C2}"/>
               </a:ext>
             </a:extLst>
           </p:cNvPr>
@@ -642,7 +642,7 @@
           <p:cNvPr id="4" name="日期占位符 3">
             <a:extLst>
               <a:ext uri="{FF2B5EF4-FFF2-40B4-BE49-F238E27FC236}">
-                <a16:creationId xmlns:a16="http://schemas.microsoft.com/office/drawing/2014/main" id="{AD55A71A-E024-8444-50B9-186976A74DD9}"/>
+                <a16:creationId xmlns:a16="http://schemas.microsoft.com/office/drawing/2014/main" id="{46DB8EDE-D600-ACF7-B32A-DC04F221F0FE}"/>
               </a:ext>
             </a:extLst>
           </p:cNvPr>
@@ -658,7 +658,7 @@
           <a:bodyPr/>
           <a:lstStyle/>
           <a:p>
-            <a:fld id="{A12CE109-48ED-4D0E-A783-A72719213768}" type="datetimeFigureOut">
+            <a:fld id="{809E8500-59C2-454C-8CB9-A0837FEB2C84}" type="datetimeFigureOut">
               <a:rPr lang="zh-CN" altLang="en-US" smtClean="0"/>
               <a:t>2024/3/10</a:t>
             </a:fld>
@@ -671,7 +671,7 @@
           <p:cNvPr id="5" name="页脚占位符 4">
             <a:extLst>
               <a:ext uri="{FF2B5EF4-FFF2-40B4-BE49-F238E27FC236}">
-                <a16:creationId xmlns:a16="http://schemas.microsoft.com/office/drawing/2014/main" id="{185ECB99-1088-B3C3-F739-0B4D42739E37}"/>
+                <a16:creationId xmlns:a16="http://schemas.microsoft.com/office/drawing/2014/main" id="{BFB60681-5BDC-2949-EEFD-F9C05A555176}"/>
               </a:ext>
             </a:extLst>
           </p:cNvPr>
@@ -696,7 +696,7 @@
           <p:cNvPr id="6" name="灯片编号占位符 5">
             <a:extLst>
               <a:ext uri="{FF2B5EF4-FFF2-40B4-BE49-F238E27FC236}">
-                <a16:creationId xmlns:a16="http://schemas.microsoft.com/office/drawing/2014/main" id="{10C23C24-4844-221D-5A7B-613BCEFB954A}"/>
+                <a16:creationId xmlns:a16="http://schemas.microsoft.com/office/drawing/2014/main" id="{B3C6E6E1-8D45-891B-C9DA-07B7A458C690}"/>
               </a:ext>
             </a:extLst>
           </p:cNvPr>
@@ -712,7 +712,7 @@
           <a:bodyPr/>
           <a:lstStyle/>
           <a:p>
-            <a:fld id="{CE911583-E726-434E-BC9A-E428389F647B}" type="slidenum">
+            <a:fld id="{23B70F45-A4C1-46AF-B474-DE691B3D0155}" type="slidenum">
               <a:rPr lang="zh-CN" altLang="en-US" smtClean="0"/>
               <a:t>‹#›</a:t>
             </a:fld>
@@ -723,7 +723,7 @@
     </p:spTree>
     <p:extLst>
       <p:ext uri="{BB962C8B-B14F-4D97-AF65-F5344CB8AC3E}">
-        <p14:creationId xmlns:p14="http://schemas.microsoft.com/office/powerpoint/2010/main" val="1770565688"/>
+        <p14:creationId xmlns:p14="http://schemas.microsoft.com/office/powerpoint/2010/main" val="2974314571"/>
       </p:ext>
     </p:extLst>
   </p:cSld>
@@ -755,7 +755,7 @@
           <p:cNvPr id="2" name="标题 1">
             <a:extLst>
               <a:ext uri="{FF2B5EF4-FFF2-40B4-BE49-F238E27FC236}">
-                <a16:creationId xmlns:a16="http://schemas.microsoft.com/office/drawing/2014/main" id="{65E2E358-C920-6A50-712E-7534B4A40E09}"/>
+                <a16:creationId xmlns:a16="http://schemas.microsoft.com/office/drawing/2014/main" id="{CC825761-A50C-6C79-413E-C51A1F070337}"/>
               </a:ext>
             </a:extLst>
           </p:cNvPr>
@@ -783,7 +783,7 @@
           <p:cNvPr id="3" name="内容占位符 2">
             <a:extLst>
               <a:ext uri="{FF2B5EF4-FFF2-40B4-BE49-F238E27FC236}">
-                <a16:creationId xmlns:a16="http://schemas.microsoft.com/office/drawing/2014/main" id="{3DB20542-A50C-C9C5-7129-7E97B28E123F}"/>
+                <a16:creationId xmlns:a16="http://schemas.microsoft.com/office/drawing/2014/main" id="{C0570C98-FC5A-1828-0474-6F3056B4500A}"/>
               </a:ext>
             </a:extLst>
           </p:cNvPr>
@@ -840,7 +840,7 @@
           <p:cNvPr id="4" name="日期占位符 3">
             <a:extLst>
               <a:ext uri="{FF2B5EF4-FFF2-40B4-BE49-F238E27FC236}">
-                <a16:creationId xmlns:a16="http://schemas.microsoft.com/office/drawing/2014/main" id="{8EBC081E-0B27-D75D-2C9F-446BF6FF0194}"/>
+                <a16:creationId xmlns:a16="http://schemas.microsoft.com/office/drawing/2014/main" id="{3CE8EC50-A582-DDF3-67A2-F1301394C883}"/>
               </a:ext>
             </a:extLst>
           </p:cNvPr>
@@ -856,7 +856,7 @@
           <a:bodyPr/>
           <a:lstStyle/>
           <a:p>
-            <a:fld id="{A12CE109-48ED-4D0E-A783-A72719213768}" type="datetimeFigureOut">
+            <a:fld id="{809E8500-59C2-454C-8CB9-A0837FEB2C84}" type="datetimeFigureOut">
               <a:rPr lang="zh-CN" altLang="en-US" smtClean="0"/>
               <a:t>2024/3/10</a:t>
             </a:fld>
@@ -869,7 +869,7 @@
           <p:cNvPr id="5" name="页脚占位符 4">
             <a:extLst>
               <a:ext uri="{FF2B5EF4-FFF2-40B4-BE49-F238E27FC236}">
-                <a16:creationId xmlns:a16="http://schemas.microsoft.com/office/drawing/2014/main" id="{6E6499E0-F5AB-9423-189A-126929CCFB38}"/>
+                <a16:creationId xmlns:a16="http://schemas.microsoft.com/office/drawing/2014/main" id="{7EC42B59-03B5-AD7C-EC83-D193EA805273}"/>
               </a:ext>
             </a:extLst>
           </p:cNvPr>
@@ -894,7 +894,7 @@
           <p:cNvPr id="6" name="灯片编号占位符 5">
             <a:extLst>
               <a:ext uri="{FF2B5EF4-FFF2-40B4-BE49-F238E27FC236}">
-                <a16:creationId xmlns:a16="http://schemas.microsoft.com/office/drawing/2014/main" id="{9B255F11-9ABA-F3A8-43EF-1C7BAC296C07}"/>
+                <a16:creationId xmlns:a16="http://schemas.microsoft.com/office/drawing/2014/main" id="{14BC605E-71FB-187E-2287-98992B24E169}"/>
               </a:ext>
             </a:extLst>
           </p:cNvPr>
@@ -910,7 +910,7 @@
           <a:bodyPr/>
           <a:lstStyle/>
           <a:p>
-            <a:fld id="{CE911583-E726-434E-BC9A-E428389F647B}" type="slidenum">
+            <a:fld id="{23B70F45-A4C1-46AF-B474-DE691B3D0155}" type="slidenum">
               <a:rPr lang="zh-CN" altLang="en-US" smtClean="0"/>
               <a:t>‹#›</a:t>
             </a:fld>
@@ -921,7 +921,7 @@
     </p:spTree>
     <p:extLst>
       <p:ext uri="{BB962C8B-B14F-4D97-AF65-F5344CB8AC3E}">
-        <p14:creationId xmlns:p14="http://schemas.microsoft.com/office/powerpoint/2010/main" val="3984034041"/>
+        <p14:creationId xmlns:p14="http://schemas.microsoft.com/office/powerpoint/2010/main" val="2172072794"/>
       </p:ext>
     </p:extLst>
   </p:cSld>
@@ -953,7 +953,7 @@
           <p:cNvPr id="2" name="标题 1">
             <a:extLst>
               <a:ext uri="{FF2B5EF4-FFF2-40B4-BE49-F238E27FC236}">
-                <a16:creationId xmlns:a16="http://schemas.microsoft.com/office/drawing/2014/main" id="{AE9EE7AA-80ED-D011-3D72-3680B2B209CC}"/>
+                <a16:creationId xmlns:a16="http://schemas.microsoft.com/office/drawing/2014/main" id="{993C3E33-C8ED-69B4-6CA3-9C311FBB4058}"/>
               </a:ext>
             </a:extLst>
           </p:cNvPr>
@@ -990,7 +990,7 @@
           <p:cNvPr id="3" name="文本占位符 2">
             <a:extLst>
               <a:ext uri="{FF2B5EF4-FFF2-40B4-BE49-F238E27FC236}">
-                <a16:creationId xmlns:a16="http://schemas.microsoft.com/office/drawing/2014/main" id="{6A95DB49-CF0C-CCDF-5267-67AE93F1DAA8}"/>
+                <a16:creationId xmlns:a16="http://schemas.microsoft.com/office/drawing/2014/main" id="{DD1187CD-F183-C84E-05E9-E6244A628AA4}"/>
               </a:ext>
             </a:extLst>
           </p:cNvPr>
@@ -1115,7 +1115,7 @@
           <p:cNvPr id="4" name="日期占位符 3">
             <a:extLst>
               <a:ext uri="{FF2B5EF4-FFF2-40B4-BE49-F238E27FC236}">
-                <a16:creationId xmlns:a16="http://schemas.microsoft.com/office/drawing/2014/main" id="{3641DB39-D778-6390-54D9-AA9E5D4C1706}"/>
+                <a16:creationId xmlns:a16="http://schemas.microsoft.com/office/drawing/2014/main" id="{07206CD9-CA1D-E47F-DAEB-4E37BBFF54D6}"/>
               </a:ext>
             </a:extLst>
           </p:cNvPr>
@@ -1131,7 +1131,7 @@
           <a:bodyPr/>
           <a:lstStyle/>
           <a:p>
-            <a:fld id="{A12CE109-48ED-4D0E-A783-A72719213768}" type="datetimeFigureOut">
+            <a:fld id="{809E8500-59C2-454C-8CB9-A0837FEB2C84}" type="datetimeFigureOut">
               <a:rPr lang="zh-CN" altLang="en-US" smtClean="0"/>
               <a:t>2024/3/10</a:t>
             </a:fld>
@@ -1144,7 +1144,7 @@
           <p:cNvPr id="5" name="页脚占位符 4">
             <a:extLst>
               <a:ext uri="{FF2B5EF4-FFF2-40B4-BE49-F238E27FC236}">
-                <a16:creationId xmlns:a16="http://schemas.microsoft.com/office/drawing/2014/main" id="{08E10176-18B9-35C8-F436-E5D8CD5F7AB4}"/>
+                <a16:creationId xmlns:a16="http://schemas.microsoft.com/office/drawing/2014/main" id="{CB6446B2-65F3-5B8A-D7D7-E8310E64EA16}"/>
               </a:ext>
             </a:extLst>
           </p:cNvPr>
@@ -1169,7 +1169,7 @@
           <p:cNvPr id="6" name="灯片编号占位符 5">
             <a:extLst>
               <a:ext uri="{FF2B5EF4-FFF2-40B4-BE49-F238E27FC236}">
-                <a16:creationId xmlns:a16="http://schemas.microsoft.com/office/drawing/2014/main" id="{26D48EE8-4DD0-B5C1-411C-8B40965A24F2}"/>
+                <a16:creationId xmlns:a16="http://schemas.microsoft.com/office/drawing/2014/main" id="{67C3E925-47C0-4B39-0D89-5B3DDF619726}"/>
               </a:ext>
             </a:extLst>
           </p:cNvPr>
@@ -1185,7 +1185,7 @@
           <a:bodyPr/>
           <a:lstStyle/>
           <a:p>
-            <a:fld id="{CE911583-E726-434E-BC9A-E428389F647B}" type="slidenum">
+            <a:fld id="{23B70F45-A4C1-46AF-B474-DE691B3D0155}" type="slidenum">
               <a:rPr lang="zh-CN" altLang="en-US" smtClean="0"/>
               <a:t>‹#›</a:t>
             </a:fld>
@@ -1196,7 +1196,7 @@
     </p:spTree>
     <p:extLst>
       <p:ext uri="{BB962C8B-B14F-4D97-AF65-F5344CB8AC3E}">
-        <p14:creationId xmlns:p14="http://schemas.microsoft.com/office/powerpoint/2010/main" val="3575633383"/>
+        <p14:creationId xmlns:p14="http://schemas.microsoft.com/office/powerpoint/2010/main" val="3647452323"/>
       </p:ext>
     </p:extLst>
   </p:cSld>
@@ -1228,7 +1228,7 @@
           <p:cNvPr id="2" name="标题 1">
             <a:extLst>
               <a:ext uri="{FF2B5EF4-FFF2-40B4-BE49-F238E27FC236}">
-                <a16:creationId xmlns:a16="http://schemas.microsoft.com/office/drawing/2014/main" id="{A179E72E-E121-94E1-5303-BF2B8FC7FB47}"/>
+                <a16:creationId xmlns:a16="http://schemas.microsoft.com/office/drawing/2014/main" id="{F076DE91-1A50-367E-9C84-95108F276755}"/>
               </a:ext>
             </a:extLst>
           </p:cNvPr>
@@ -1256,7 +1256,7 @@
           <p:cNvPr id="3" name="内容占位符 2">
             <a:extLst>
               <a:ext uri="{FF2B5EF4-FFF2-40B4-BE49-F238E27FC236}">
-                <a16:creationId xmlns:a16="http://schemas.microsoft.com/office/drawing/2014/main" id="{A2A343BB-E66F-E33A-F480-D84EA9E0C569}"/>
+                <a16:creationId xmlns:a16="http://schemas.microsoft.com/office/drawing/2014/main" id="{DC891C69-6287-1EA2-FDE3-C1B03015DCC8}"/>
               </a:ext>
             </a:extLst>
           </p:cNvPr>
@@ -1318,7 +1318,7 @@
           <p:cNvPr id="4" name="内容占位符 3">
             <a:extLst>
               <a:ext uri="{FF2B5EF4-FFF2-40B4-BE49-F238E27FC236}">
-                <a16:creationId xmlns:a16="http://schemas.microsoft.com/office/drawing/2014/main" id="{398A1039-106E-8EE8-C86B-D8A73A8EEC6B}"/>
+                <a16:creationId xmlns:a16="http://schemas.microsoft.com/office/drawing/2014/main" id="{CC6D52A7-EFD4-276F-8F44-123557DD7679}"/>
               </a:ext>
             </a:extLst>
           </p:cNvPr>
@@ -1380,7 +1380,7 @@
           <p:cNvPr id="5" name="日期占位符 4">
             <a:extLst>
               <a:ext uri="{FF2B5EF4-FFF2-40B4-BE49-F238E27FC236}">
-                <a16:creationId xmlns:a16="http://schemas.microsoft.com/office/drawing/2014/main" id="{8F37FE87-3AFD-B991-9486-38624CACD881}"/>
+                <a16:creationId xmlns:a16="http://schemas.microsoft.com/office/drawing/2014/main" id="{F4168D46-9BAA-BAC4-E18F-18958AF90A47}"/>
               </a:ext>
             </a:extLst>
           </p:cNvPr>
@@ -1396,7 +1396,7 @@
           <a:bodyPr/>
           <a:lstStyle/>
           <a:p>
-            <a:fld id="{A12CE109-48ED-4D0E-A783-A72719213768}" type="datetimeFigureOut">
+            <a:fld id="{809E8500-59C2-454C-8CB9-A0837FEB2C84}" type="datetimeFigureOut">
               <a:rPr lang="zh-CN" altLang="en-US" smtClean="0"/>
               <a:t>2024/3/10</a:t>
             </a:fld>
@@ -1409,7 +1409,7 @@
           <p:cNvPr id="6" name="页脚占位符 5">
             <a:extLst>
               <a:ext uri="{FF2B5EF4-FFF2-40B4-BE49-F238E27FC236}">
-                <a16:creationId xmlns:a16="http://schemas.microsoft.com/office/drawing/2014/main" id="{ADEEAA78-7EDD-1A50-2E9E-3B153C3B7827}"/>
+                <a16:creationId xmlns:a16="http://schemas.microsoft.com/office/drawing/2014/main" id="{D86C532B-6C5B-3AB6-F3FA-D7928BB426C6}"/>
               </a:ext>
             </a:extLst>
           </p:cNvPr>
@@ -1434,7 +1434,7 @@
           <p:cNvPr id="7" name="灯片编号占位符 6">
             <a:extLst>
               <a:ext uri="{FF2B5EF4-FFF2-40B4-BE49-F238E27FC236}">
-                <a16:creationId xmlns:a16="http://schemas.microsoft.com/office/drawing/2014/main" id="{6F7ED7B5-3D1C-E58B-9DFD-B58CD0CC3177}"/>
+                <a16:creationId xmlns:a16="http://schemas.microsoft.com/office/drawing/2014/main" id="{03544024-4DEA-4325-9861-A898C19CE861}"/>
               </a:ext>
             </a:extLst>
           </p:cNvPr>
@@ -1450,7 +1450,7 @@
           <a:bodyPr/>
           <a:lstStyle/>
           <a:p>
-            <a:fld id="{CE911583-E726-434E-BC9A-E428389F647B}" type="slidenum">
+            <a:fld id="{23B70F45-A4C1-46AF-B474-DE691B3D0155}" type="slidenum">
               <a:rPr lang="zh-CN" altLang="en-US" smtClean="0"/>
               <a:t>‹#›</a:t>
             </a:fld>
@@ -1461,7 +1461,7 @@
     </p:spTree>
     <p:extLst>
       <p:ext uri="{BB962C8B-B14F-4D97-AF65-F5344CB8AC3E}">
-        <p14:creationId xmlns:p14="http://schemas.microsoft.com/office/powerpoint/2010/main" val="1486153855"/>
+        <p14:creationId xmlns:p14="http://schemas.microsoft.com/office/powerpoint/2010/main" val="3107904801"/>
       </p:ext>
     </p:extLst>
   </p:cSld>
@@ -1493,7 +1493,7 @@
           <p:cNvPr id="2" name="标题 1">
             <a:extLst>
               <a:ext uri="{FF2B5EF4-FFF2-40B4-BE49-F238E27FC236}">
-                <a16:creationId xmlns:a16="http://schemas.microsoft.com/office/drawing/2014/main" id="{BE6EB15C-FC08-8BE5-EC72-E5C7B502A32F}"/>
+                <a16:creationId xmlns:a16="http://schemas.microsoft.com/office/drawing/2014/main" id="{588AEFED-1630-8787-3D17-F902A2067E46}"/>
               </a:ext>
             </a:extLst>
           </p:cNvPr>
@@ -1526,7 +1526,7 @@
           <p:cNvPr id="3" name="文本占位符 2">
             <a:extLst>
               <a:ext uri="{FF2B5EF4-FFF2-40B4-BE49-F238E27FC236}">
-                <a16:creationId xmlns:a16="http://schemas.microsoft.com/office/drawing/2014/main" id="{2D077591-D8CB-009D-A0E5-CD32E02BABDD}"/>
+                <a16:creationId xmlns:a16="http://schemas.microsoft.com/office/drawing/2014/main" id="{37EDC44E-9B85-6CD4-8A0A-060E1D401190}"/>
               </a:ext>
             </a:extLst>
           </p:cNvPr>
@@ -1597,7 +1597,7 @@
           <p:cNvPr id="4" name="内容占位符 3">
             <a:extLst>
               <a:ext uri="{FF2B5EF4-FFF2-40B4-BE49-F238E27FC236}">
-                <a16:creationId xmlns:a16="http://schemas.microsoft.com/office/drawing/2014/main" id="{A0F59554-0FB1-3E6C-84AE-A8E3C8E3C806}"/>
+                <a16:creationId xmlns:a16="http://schemas.microsoft.com/office/drawing/2014/main" id="{124E1EBE-6639-DF5A-2701-B0AA9A47E8EB}"/>
               </a:ext>
             </a:extLst>
           </p:cNvPr>
@@ -1659,7 +1659,7 @@
           <p:cNvPr id="5" name="文本占位符 4">
             <a:extLst>
               <a:ext uri="{FF2B5EF4-FFF2-40B4-BE49-F238E27FC236}">
-                <a16:creationId xmlns:a16="http://schemas.microsoft.com/office/drawing/2014/main" id="{C941B9DF-58C4-2DEC-3C6D-A67C45B3614C}"/>
+                <a16:creationId xmlns:a16="http://schemas.microsoft.com/office/drawing/2014/main" id="{A219ED61-49C2-8F90-09B9-6875664A2E17}"/>
               </a:ext>
             </a:extLst>
           </p:cNvPr>
@@ -1730,7 +1730,7 @@
           <p:cNvPr id="6" name="内容占位符 5">
             <a:extLst>
               <a:ext uri="{FF2B5EF4-FFF2-40B4-BE49-F238E27FC236}">
-                <a16:creationId xmlns:a16="http://schemas.microsoft.com/office/drawing/2014/main" id="{9C9C9590-2B94-4E62-926D-67AF5E82CD6C}"/>
+                <a16:creationId xmlns:a16="http://schemas.microsoft.com/office/drawing/2014/main" id="{13FF9806-BE1C-F072-2079-B0B7B67DD89B}"/>
               </a:ext>
             </a:extLst>
           </p:cNvPr>
@@ -1792,7 +1792,7 @@
           <p:cNvPr id="7" name="日期占位符 6">
             <a:extLst>
               <a:ext uri="{FF2B5EF4-FFF2-40B4-BE49-F238E27FC236}">
-                <a16:creationId xmlns:a16="http://schemas.microsoft.com/office/drawing/2014/main" id="{1AF67ACB-8353-3DFE-8E94-7BD6A37A7E01}"/>
+                <a16:creationId xmlns:a16="http://schemas.microsoft.com/office/drawing/2014/main" id="{9591FEDE-33CC-D999-BDAC-6850ABC1C1A3}"/>
               </a:ext>
             </a:extLst>
           </p:cNvPr>
@@ -1808,7 +1808,7 @@
           <a:bodyPr/>
           <a:lstStyle/>
           <a:p>
-            <a:fld id="{A12CE109-48ED-4D0E-A783-A72719213768}" type="datetimeFigureOut">
+            <a:fld id="{809E8500-59C2-454C-8CB9-A0837FEB2C84}" type="datetimeFigureOut">
               <a:rPr lang="zh-CN" altLang="en-US" smtClean="0"/>
               <a:t>2024/3/10</a:t>
             </a:fld>
@@ -1821,7 +1821,7 @@
           <p:cNvPr id="8" name="页脚占位符 7">
             <a:extLst>
               <a:ext uri="{FF2B5EF4-FFF2-40B4-BE49-F238E27FC236}">
-                <a16:creationId xmlns:a16="http://schemas.microsoft.com/office/drawing/2014/main" id="{CCEC03D9-0014-BEFF-4EF2-8F98CAB11F0A}"/>
+                <a16:creationId xmlns:a16="http://schemas.microsoft.com/office/drawing/2014/main" id="{01B3C911-5D40-991C-BBFF-B30F5E5D3FFE}"/>
               </a:ext>
             </a:extLst>
           </p:cNvPr>
@@ -1846,7 +1846,7 @@
           <p:cNvPr id="9" name="灯片编号占位符 8">
             <a:extLst>
               <a:ext uri="{FF2B5EF4-FFF2-40B4-BE49-F238E27FC236}">
-                <a16:creationId xmlns:a16="http://schemas.microsoft.com/office/drawing/2014/main" id="{6B46BBDD-B457-69D0-E048-3E900ADFD41D}"/>
+                <a16:creationId xmlns:a16="http://schemas.microsoft.com/office/drawing/2014/main" id="{0941B686-695F-3595-161A-8D7E9F08939C}"/>
               </a:ext>
             </a:extLst>
           </p:cNvPr>
@@ -1862,7 +1862,7 @@
           <a:bodyPr/>
           <a:lstStyle/>
           <a:p>
-            <a:fld id="{CE911583-E726-434E-BC9A-E428389F647B}" type="slidenum">
+            <a:fld id="{23B70F45-A4C1-46AF-B474-DE691B3D0155}" type="slidenum">
               <a:rPr lang="zh-CN" altLang="en-US" smtClean="0"/>
               <a:t>‹#›</a:t>
             </a:fld>
@@ -1873,7 +1873,7 @@
     </p:spTree>
     <p:extLst>
       <p:ext uri="{BB962C8B-B14F-4D97-AF65-F5344CB8AC3E}">
-        <p14:creationId xmlns:p14="http://schemas.microsoft.com/office/powerpoint/2010/main" val="886281932"/>
+        <p14:creationId xmlns:p14="http://schemas.microsoft.com/office/powerpoint/2010/main" val="3637404669"/>
       </p:ext>
     </p:extLst>
   </p:cSld>
@@ -1905,7 +1905,7 @@
           <p:cNvPr id="2" name="标题 1">
             <a:extLst>
               <a:ext uri="{FF2B5EF4-FFF2-40B4-BE49-F238E27FC236}">
-                <a16:creationId xmlns:a16="http://schemas.microsoft.com/office/drawing/2014/main" id="{8D3A11CE-1C61-F678-C2EC-0C762F845442}"/>
+                <a16:creationId xmlns:a16="http://schemas.microsoft.com/office/drawing/2014/main" id="{1D23171A-55F6-BD9C-B992-8E0CB2A195F0}"/>
               </a:ext>
             </a:extLst>
           </p:cNvPr>
@@ -1933,7 +1933,7 @@
           <p:cNvPr id="3" name="日期占位符 2">
             <a:extLst>
               <a:ext uri="{FF2B5EF4-FFF2-40B4-BE49-F238E27FC236}">
-                <a16:creationId xmlns:a16="http://schemas.microsoft.com/office/drawing/2014/main" id="{2EB06F66-98C9-9C27-B1F4-036406F90326}"/>
+                <a16:creationId xmlns:a16="http://schemas.microsoft.com/office/drawing/2014/main" id="{B67DAC2B-EEFE-949F-54AE-C4B8B6D90206}"/>
               </a:ext>
             </a:extLst>
           </p:cNvPr>
@@ -1949,7 +1949,7 @@
           <a:bodyPr/>
           <a:lstStyle/>
           <a:p>
-            <a:fld id="{A12CE109-48ED-4D0E-A783-A72719213768}" type="datetimeFigureOut">
+            <a:fld id="{809E8500-59C2-454C-8CB9-A0837FEB2C84}" type="datetimeFigureOut">
               <a:rPr lang="zh-CN" altLang="en-US" smtClean="0"/>
               <a:t>2024/3/10</a:t>
             </a:fld>
@@ -1962,7 +1962,7 @@
           <p:cNvPr id="4" name="页脚占位符 3">
             <a:extLst>
               <a:ext uri="{FF2B5EF4-FFF2-40B4-BE49-F238E27FC236}">
-                <a16:creationId xmlns:a16="http://schemas.microsoft.com/office/drawing/2014/main" id="{5477D175-49C7-8B46-D621-2A037CDC05B0}"/>
+                <a16:creationId xmlns:a16="http://schemas.microsoft.com/office/drawing/2014/main" id="{1EA26657-3507-B74F-D966-7168C8CC967A}"/>
               </a:ext>
             </a:extLst>
           </p:cNvPr>
@@ -1987,7 +1987,7 @@
           <p:cNvPr id="5" name="灯片编号占位符 4">
             <a:extLst>
               <a:ext uri="{FF2B5EF4-FFF2-40B4-BE49-F238E27FC236}">
-                <a16:creationId xmlns:a16="http://schemas.microsoft.com/office/drawing/2014/main" id="{3C25C785-9BE2-5D8E-D277-6FDB4C932E09}"/>
+                <a16:creationId xmlns:a16="http://schemas.microsoft.com/office/drawing/2014/main" id="{4B5B363A-7044-5316-60C4-9F1884B79FCE}"/>
               </a:ext>
             </a:extLst>
           </p:cNvPr>
@@ -2003,7 +2003,7 @@
           <a:bodyPr/>
           <a:lstStyle/>
           <a:p>
-            <a:fld id="{CE911583-E726-434E-BC9A-E428389F647B}" type="slidenum">
+            <a:fld id="{23B70F45-A4C1-46AF-B474-DE691B3D0155}" type="slidenum">
               <a:rPr lang="zh-CN" altLang="en-US" smtClean="0"/>
               <a:t>‹#›</a:t>
             </a:fld>
@@ -2014,7 +2014,7 @@
     </p:spTree>
     <p:extLst>
       <p:ext uri="{BB962C8B-B14F-4D97-AF65-F5344CB8AC3E}">
-        <p14:creationId xmlns:p14="http://schemas.microsoft.com/office/powerpoint/2010/main" val="3777236127"/>
+        <p14:creationId xmlns:p14="http://schemas.microsoft.com/office/powerpoint/2010/main" val="2040496140"/>
       </p:ext>
     </p:extLst>
   </p:cSld>
@@ -2046,7 +2046,7 @@
           <p:cNvPr id="2" name="日期占位符 1">
             <a:extLst>
               <a:ext uri="{FF2B5EF4-FFF2-40B4-BE49-F238E27FC236}">
-                <a16:creationId xmlns:a16="http://schemas.microsoft.com/office/drawing/2014/main" id="{2D0EBA72-84C1-BF46-ED7F-7DA54673DBF5}"/>
+                <a16:creationId xmlns:a16="http://schemas.microsoft.com/office/drawing/2014/main" id="{C4531F55-4EBB-1EB8-EAC7-66CF19C741F9}"/>
               </a:ext>
             </a:extLst>
           </p:cNvPr>
@@ -2062,7 +2062,7 @@
           <a:bodyPr/>
           <a:lstStyle/>
           <a:p>
-            <a:fld id="{A12CE109-48ED-4D0E-A783-A72719213768}" type="datetimeFigureOut">
+            <a:fld id="{809E8500-59C2-454C-8CB9-A0837FEB2C84}" type="datetimeFigureOut">
               <a:rPr lang="zh-CN" altLang="en-US" smtClean="0"/>
               <a:t>2024/3/10</a:t>
             </a:fld>
@@ -2075,7 +2075,7 @@
           <p:cNvPr id="3" name="页脚占位符 2">
             <a:extLst>
               <a:ext uri="{FF2B5EF4-FFF2-40B4-BE49-F238E27FC236}">
-                <a16:creationId xmlns:a16="http://schemas.microsoft.com/office/drawing/2014/main" id="{A8864B50-06EC-6EE4-A69C-F9CB1B6388DC}"/>
+                <a16:creationId xmlns:a16="http://schemas.microsoft.com/office/drawing/2014/main" id="{9BBFF655-85FB-1484-98B6-92FF2E9DAEB8}"/>
               </a:ext>
             </a:extLst>
           </p:cNvPr>
@@ -2100,7 +2100,7 @@
           <p:cNvPr id="4" name="灯片编号占位符 3">
             <a:extLst>
               <a:ext uri="{FF2B5EF4-FFF2-40B4-BE49-F238E27FC236}">
-                <a16:creationId xmlns:a16="http://schemas.microsoft.com/office/drawing/2014/main" id="{4780D83F-44B7-F88F-E4BF-F1E2742561F9}"/>
+                <a16:creationId xmlns:a16="http://schemas.microsoft.com/office/drawing/2014/main" id="{7C33EE99-F24F-252A-922C-F3C686D3DC52}"/>
               </a:ext>
             </a:extLst>
           </p:cNvPr>
@@ -2116,7 +2116,7 @@
           <a:bodyPr/>
           <a:lstStyle/>
           <a:p>
-            <a:fld id="{CE911583-E726-434E-BC9A-E428389F647B}" type="slidenum">
+            <a:fld id="{23B70F45-A4C1-46AF-B474-DE691B3D0155}" type="slidenum">
               <a:rPr lang="zh-CN" altLang="en-US" smtClean="0"/>
               <a:t>‹#›</a:t>
             </a:fld>
@@ -2127,7 +2127,7 @@
     </p:spTree>
     <p:extLst>
       <p:ext uri="{BB962C8B-B14F-4D97-AF65-F5344CB8AC3E}">
-        <p14:creationId xmlns:p14="http://schemas.microsoft.com/office/powerpoint/2010/main" val="1287039006"/>
+        <p14:creationId xmlns:p14="http://schemas.microsoft.com/office/powerpoint/2010/main" val="266187185"/>
       </p:ext>
     </p:extLst>
   </p:cSld>
@@ -2159,7 +2159,7 @@
           <p:cNvPr id="2" name="标题 1">
             <a:extLst>
               <a:ext uri="{FF2B5EF4-FFF2-40B4-BE49-F238E27FC236}">
-                <a16:creationId xmlns:a16="http://schemas.microsoft.com/office/drawing/2014/main" id="{E4D39245-9E2C-D819-5CCD-70673DADC108}"/>
+                <a16:creationId xmlns:a16="http://schemas.microsoft.com/office/drawing/2014/main" id="{177C5F94-E9EE-C12A-9598-ECDFF25C3201}"/>
               </a:ext>
             </a:extLst>
           </p:cNvPr>
@@ -2196,7 +2196,7 @@
           <p:cNvPr id="3" name="内容占位符 2">
             <a:extLst>
               <a:ext uri="{FF2B5EF4-FFF2-40B4-BE49-F238E27FC236}">
-                <a16:creationId xmlns:a16="http://schemas.microsoft.com/office/drawing/2014/main" id="{42629861-3DFF-619A-3269-49D82DE7DB77}"/>
+                <a16:creationId xmlns:a16="http://schemas.microsoft.com/office/drawing/2014/main" id="{95437490-D8FB-5B5B-C176-66A198CD36BE}"/>
               </a:ext>
             </a:extLst>
           </p:cNvPr>
@@ -2286,7 +2286,7 @@
           <p:cNvPr id="4" name="文本占位符 3">
             <a:extLst>
               <a:ext uri="{FF2B5EF4-FFF2-40B4-BE49-F238E27FC236}">
-                <a16:creationId xmlns:a16="http://schemas.microsoft.com/office/drawing/2014/main" id="{BC73C5DE-1E07-4C13-9837-B9CD31E53F8B}"/>
+                <a16:creationId xmlns:a16="http://schemas.microsoft.com/office/drawing/2014/main" id="{6A9C26D9-97F3-3A59-8C8B-A5994BB6DB0D}"/>
               </a:ext>
             </a:extLst>
           </p:cNvPr>
@@ -2357,7 +2357,7 @@
           <p:cNvPr id="5" name="日期占位符 4">
             <a:extLst>
               <a:ext uri="{FF2B5EF4-FFF2-40B4-BE49-F238E27FC236}">
-                <a16:creationId xmlns:a16="http://schemas.microsoft.com/office/drawing/2014/main" id="{68F57F2C-2D32-2AB3-701A-2B4669310A15}"/>
+                <a16:creationId xmlns:a16="http://schemas.microsoft.com/office/drawing/2014/main" id="{0F1F49E1-9846-A142-2D4F-5BD642A7C76A}"/>
               </a:ext>
             </a:extLst>
           </p:cNvPr>
@@ -2373,7 +2373,7 @@
           <a:bodyPr/>
           <a:lstStyle/>
           <a:p>
-            <a:fld id="{A12CE109-48ED-4D0E-A783-A72719213768}" type="datetimeFigureOut">
+            <a:fld id="{809E8500-59C2-454C-8CB9-A0837FEB2C84}" type="datetimeFigureOut">
               <a:rPr lang="zh-CN" altLang="en-US" smtClean="0"/>
               <a:t>2024/3/10</a:t>
             </a:fld>
@@ -2386,7 +2386,7 @@
           <p:cNvPr id="6" name="页脚占位符 5">
             <a:extLst>
               <a:ext uri="{FF2B5EF4-FFF2-40B4-BE49-F238E27FC236}">
-                <a16:creationId xmlns:a16="http://schemas.microsoft.com/office/drawing/2014/main" id="{E9A23EB1-7064-B148-FE82-E60087C19B87}"/>
+                <a16:creationId xmlns:a16="http://schemas.microsoft.com/office/drawing/2014/main" id="{30574CD5-232A-640C-5E83-942EEF8B157C}"/>
               </a:ext>
             </a:extLst>
           </p:cNvPr>
@@ -2411,7 +2411,7 @@
           <p:cNvPr id="7" name="灯片编号占位符 6">
             <a:extLst>
               <a:ext uri="{FF2B5EF4-FFF2-40B4-BE49-F238E27FC236}">
-                <a16:creationId xmlns:a16="http://schemas.microsoft.com/office/drawing/2014/main" id="{5666B57A-41A9-6C9E-7D8B-019023822F05}"/>
+                <a16:creationId xmlns:a16="http://schemas.microsoft.com/office/drawing/2014/main" id="{8DCFFE4A-CABA-94D0-BE66-33C887C32729}"/>
               </a:ext>
             </a:extLst>
           </p:cNvPr>
@@ -2427,7 +2427,7 @@
           <a:bodyPr/>
           <a:lstStyle/>
           <a:p>
-            <a:fld id="{CE911583-E726-434E-BC9A-E428389F647B}" type="slidenum">
+            <a:fld id="{23B70F45-A4C1-46AF-B474-DE691B3D0155}" type="slidenum">
               <a:rPr lang="zh-CN" altLang="en-US" smtClean="0"/>
               <a:t>‹#›</a:t>
             </a:fld>
@@ -2438,7 +2438,7 @@
     </p:spTree>
     <p:extLst>
       <p:ext uri="{BB962C8B-B14F-4D97-AF65-F5344CB8AC3E}">
-        <p14:creationId xmlns:p14="http://schemas.microsoft.com/office/powerpoint/2010/main" val="380256758"/>
+        <p14:creationId xmlns:p14="http://schemas.microsoft.com/office/powerpoint/2010/main" val="846051144"/>
       </p:ext>
     </p:extLst>
   </p:cSld>
@@ -2470,7 +2470,7 @@
           <p:cNvPr id="2" name="标题 1">
             <a:extLst>
               <a:ext uri="{FF2B5EF4-FFF2-40B4-BE49-F238E27FC236}">
-                <a16:creationId xmlns:a16="http://schemas.microsoft.com/office/drawing/2014/main" id="{0F2D0182-6155-BB2B-9A91-41588673C6D4}"/>
+                <a16:creationId xmlns:a16="http://schemas.microsoft.com/office/drawing/2014/main" id="{66914451-B75F-8D23-D157-AA30EA87AB9A}"/>
               </a:ext>
             </a:extLst>
           </p:cNvPr>
@@ -2507,7 +2507,7 @@
           <p:cNvPr id="3" name="图片占位符 2">
             <a:extLst>
               <a:ext uri="{FF2B5EF4-FFF2-40B4-BE49-F238E27FC236}">
-                <a16:creationId xmlns:a16="http://schemas.microsoft.com/office/drawing/2014/main" id="{BCD8C5EC-D34B-67F6-D82D-BE06E6207991}"/>
+                <a16:creationId xmlns:a16="http://schemas.microsoft.com/office/drawing/2014/main" id="{63CF948E-A50C-9BDB-602A-13F6C1E9C941}"/>
               </a:ext>
             </a:extLst>
           </p:cNvPr>
@@ -2574,7 +2574,7 @@
           <p:cNvPr id="4" name="文本占位符 3">
             <a:extLst>
               <a:ext uri="{FF2B5EF4-FFF2-40B4-BE49-F238E27FC236}">
-                <a16:creationId xmlns:a16="http://schemas.microsoft.com/office/drawing/2014/main" id="{EC2B2331-1771-F2AB-F2AC-49DE2C77E390}"/>
+                <a16:creationId xmlns:a16="http://schemas.microsoft.com/office/drawing/2014/main" id="{7702AD94-B79B-DD16-8276-D6B71F2E035F}"/>
               </a:ext>
             </a:extLst>
           </p:cNvPr>
@@ -2645,7 +2645,7 @@
           <p:cNvPr id="5" name="日期占位符 4">
             <a:extLst>
               <a:ext uri="{FF2B5EF4-FFF2-40B4-BE49-F238E27FC236}">
-                <a16:creationId xmlns:a16="http://schemas.microsoft.com/office/drawing/2014/main" id="{A38E28B4-53A8-CC76-3659-535B8DB64374}"/>
+                <a16:creationId xmlns:a16="http://schemas.microsoft.com/office/drawing/2014/main" id="{A58A9276-3287-E0C3-BD79-E4C2CA36020D}"/>
               </a:ext>
             </a:extLst>
           </p:cNvPr>
@@ -2661,7 +2661,7 @@
           <a:bodyPr/>
           <a:lstStyle/>
           <a:p>
-            <a:fld id="{A12CE109-48ED-4D0E-A783-A72719213768}" type="datetimeFigureOut">
+            <a:fld id="{809E8500-59C2-454C-8CB9-A0837FEB2C84}" type="datetimeFigureOut">
               <a:rPr lang="zh-CN" altLang="en-US" smtClean="0"/>
               <a:t>2024/3/10</a:t>
             </a:fld>
@@ -2674,7 +2674,7 @@
           <p:cNvPr id="6" name="页脚占位符 5">
             <a:extLst>
               <a:ext uri="{FF2B5EF4-FFF2-40B4-BE49-F238E27FC236}">
-                <a16:creationId xmlns:a16="http://schemas.microsoft.com/office/drawing/2014/main" id="{E6657C84-0932-13D1-D4ED-7ABE5790C9CE}"/>
+                <a16:creationId xmlns:a16="http://schemas.microsoft.com/office/drawing/2014/main" id="{49F28C84-02F9-9517-5DD3-A67E7E151CAB}"/>
               </a:ext>
             </a:extLst>
           </p:cNvPr>
@@ -2699,7 +2699,7 @@
           <p:cNvPr id="7" name="灯片编号占位符 6">
             <a:extLst>
               <a:ext uri="{FF2B5EF4-FFF2-40B4-BE49-F238E27FC236}">
-                <a16:creationId xmlns:a16="http://schemas.microsoft.com/office/drawing/2014/main" id="{D7776272-09AF-3C0D-9A47-F898E0B6650B}"/>
+                <a16:creationId xmlns:a16="http://schemas.microsoft.com/office/drawing/2014/main" id="{7B621AC4-1D32-E739-5B86-327213E004E8}"/>
               </a:ext>
             </a:extLst>
           </p:cNvPr>
@@ -2715,7 +2715,7 @@
           <a:bodyPr/>
           <a:lstStyle/>
           <a:p>
-            <a:fld id="{CE911583-E726-434E-BC9A-E428389F647B}" type="slidenum">
+            <a:fld id="{23B70F45-A4C1-46AF-B474-DE691B3D0155}" type="slidenum">
               <a:rPr lang="zh-CN" altLang="en-US" smtClean="0"/>
               <a:t>‹#›</a:t>
             </a:fld>
@@ -2726,7 +2726,7 @@
     </p:spTree>
     <p:extLst>
       <p:ext uri="{BB962C8B-B14F-4D97-AF65-F5344CB8AC3E}">
-        <p14:creationId xmlns:p14="http://schemas.microsoft.com/office/powerpoint/2010/main" val="1858798624"/>
+        <p14:creationId xmlns:p14="http://schemas.microsoft.com/office/powerpoint/2010/main" val="1652439967"/>
       </p:ext>
     </p:extLst>
   </p:cSld>
@@ -2763,7 +2763,7 @@
           <p:cNvPr id="2" name="标题占位符 1">
             <a:extLst>
               <a:ext uri="{FF2B5EF4-FFF2-40B4-BE49-F238E27FC236}">
-                <a16:creationId xmlns:a16="http://schemas.microsoft.com/office/drawing/2014/main" id="{C0B3AE8E-67F6-704E-47F9-82045B9F444B}"/>
+                <a16:creationId xmlns:a16="http://schemas.microsoft.com/office/drawing/2014/main" id="{9714667B-D06B-E7F9-D355-18D30E964397}"/>
               </a:ext>
             </a:extLst>
           </p:cNvPr>
@@ -2801,7 +2801,7 @@
           <p:cNvPr id="3" name="文本占位符 2">
             <a:extLst>
               <a:ext uri="{FF2B5EF4-FFF2-40B4-BE49-F238E27FC236}">
-                <a16:creationId xmlns:a16="http://schemas.microsoft.com/office/drawing/2014/main" id="{4EE4463A-FC7B-5905-4A68-353446ABF928}"/>
+                <a16:creationId xmlns:a16="http://schemas.microsoft.com/office/drawing/2014/main" id="{0F93680C-7486-A3F3-D5A9-95557936E7E3}"/>
               </a:ext>
             </a:extLst>
           </p:cNvPr>
@@ -2868,7 +2868,7 @@
           <p:cNvPr id="4" name="日期占位符 3">
             <a:extLst>
               <a:ext uri="{FF2B5EF4-FFF2-40B4-BE49-F238E27FC236}">
-                <a16:creationId xmlns:a16="http://schemas.microsoft.com/office/drawing/2014/main" id="{0CDF72E0-4D48-96D2-0DFA-8648DE1B9544}"/>
+                <a16:creationId xmlns:a16="http://schemas.microsoft.com/office/drawing/2014/main" id="{53B2CAC4-0D99-8DFF-0505-C0FF9676EA32}"/>
               </a:ext>
             </a:extLst>
           </p:cNvPr>
@@ -2902,7 +2902,7 @@
             </a:lvl1pPr>
           </a:lstStyle>
           <a:p>
-            <a:fld id="{A12CE109-48ED-4D0E-A783-A72719213768}" type="datetimeFigureOut">
+            <a:fld id="{809E8500-59C2-454C-8CB9-A0837FEB2C84}" type="datetimeFigureOut">
               <a:rPr lang="zh-CN" altLang="en-US" smtClean="0"/>
               <a:t>2024/3/10</a:t>
             </a:fld>
@@ -2915,7 +2915,7 @@
           <p:cNvPr id="5" name="页脚占位符 4">
             <a:extLst>
               <a:ext uri="{FF2B5EF4-FFF2-40B4-BE49-F238E27FC236}">
-                <a16:creationId xmlns:a16="http://schemas.microsoft.com/office/drawing/2014/main" id="{9A2A8FAC-4C01-21F0-FDD4-D4051DE5D9E2}"/>
+                <a16:creationId xmlns:a16="http://schemas.microsoft.com/office/drawing/2014/main" id="{1EFCFDCF-A5BC-E40C-C0E8-AEE2A920D7D8}"/>
               </a:ext>
             </a:extLst>
           </p:cNvPr>
@@ -2958,7 +2958,7 @@
           <p:cNvPr id="6" name="灯片编号占位符 5">
             <a:extLst>
               <a:ext uri="{FF2B5EF4-FFF2-40B4-BE49-F238E27FC236}">
-                <a16:creationId xmlns:a16="http://schemas.microsoft.com/office/drawing/2014/main" id="{10424BA0-F0DB-D6EE-D994-C94AE0B0B41A}"/>
+                <a16:creationId xmlns:a16="http://schemas.microsoft.com/office/drawing/2014/main" id="{2A9C1C9A-E73D-621C-971B-C719CA6B8892}"/>
               </a:ext>
             </a:extLst>
           </p:cNvPr>
@@ -2992,7 +2992,7 @@
             </a:lvl1pPr>
           </a:lstStyle>
           <a:p>
-            <a:fld id="{CE911583-E726-434E-BC9A-E428389F647B}" type="slidenum">
+            <a:fld id="{23B70F45-A4C1-46AF-B474-DE691B3D0155}" type="slidenum">
               <a:rPr lang="zh-CN" altLang="en-US" smtClean="0"/>
               <a:t>‹#›</a:t>
             </a:fld>
@@ -3003,7 +3003,7 @@
     </p:spTree>
     <p:extLst>
       <p:ext uri="{BB962C8B-B14F-4D97-AF65-F5344CB8AC3E}">
-        <p14:creationId xmlns:p14="http://schemas.microsoft.com/office/powerpoint/2010/main" val="178525030"/>
+        <p14:creationId xmlns:p14="http://schemas.microsoft.com/office/powerpoint/2010/main" val="3997131373"/>
       </p:ext>
     </p:extLst>
   </p:cSld>
